--- a/hr_database_documentation.pptx
+++ b/hr_database_documentation.pptx
@@ -290,6 +290,11 @@
       </a:defRPr>
     </a:lvl9pPr>
   </p:defaultTextStyle>
+  <p:extLst>
+    <p:ext uri="{EFAFB233-063F-42B5-8137-9DF3F51BA10A}">
+      <p15:sldGuideLst xmlns:p15="http://schemas.microsoft.com/office/powerpoint/2012/main"/>
+    </p:ext>
+  </p:extLst>
 </p:presentation>
 </file>
 
@@ -27322,6 +27327,7 @@
                 <a:ea typeface="Open Sans"/>
                 <a:cs typeface="Open Sans"/>
                 <a:sym typeface="Open Sans"/>
+                <a:hlinkClick r:id="rId3"/>
               </a:rPr>
               <a:t>Conceptual</a:t>
             </a:r>
@@ -27392,7 +27398,7 @@
           <p:nvPr/>
         </p:nvPicPr>
         <p:blipFill>
-          <a:blip r:embed="rId3"/>
+          <a:blip r:embed="rId4"/>
           <a:stretch>
             <a:fillRect/>
           </a:stretch>
@@ -27516,6 +27522,7 @@
                 <a:ea typeface="Open Sans"/>
                 <a:cs typeface="Open Sans"/>
                 <a:sym typeface="Open Sans"/>
+                <a:hlinkClick r:id="rId3"/>
               </a:rPr>
               <a:t>Logical</a:t>
             </a:r>
@@ -27591,7 +27598,7 @@
           <p:nvPr/>
         </p:nvPicPr>
         <p:blipFill>
-          <a:blip r:embed="rId3"/>
+          <a:blip r:embed="rId4"/>
           <a:stretch>
             <a:fillRect/>
           </a:stretch>
@@ -27715,6 +27722,7 @@
                 <a:ea typeface="Open Sans"/>
                 <a:cs typeface="Open Sans"/>
                 <a:sym typeface="Open Sans"/>
+                <a:hlinkClick r:id="rId3"/>
               </a:rPr>
               <a:t>Physical</a:t>
             </a:r>
@@ -27765,7 +27773,7 @@
           <p:nvPr/>
         </p:nvPicPr>
         <p:blipFill>
-          <a:blip r:embed="rId3"/>
+          <a:blip r:embed="rId4"/>
           <a:stretch>
             <a:fillRect/>
           </a:stretch>
